--- a/ppt 16-9/0442.走宣教的路.pptx
+++ b/ppt 16-9/0442.走宣教的路.pptx
@@ -5,7 +5,7 @@
     <p:sldMasterId id="2147483648" r:id="rId1"/>
   </p:sldMasterIdLst>
   <p:sldIdLst>
-    <p:sldId id="2931" r:id="rId2"/>
+    <p:sldId id="2933" r:id="rId2"/>
   </p:sldIdLst>
   <p:sldSz cx="12192000" cy="6858000"/>
   <p:notesSz cx="6858000" cy="9144000"/>
@@ -129,7 +129,7 @@
           <p:cNvPr id="2" name="标题 1">
             <a:extLst>
               <a:ext uri="{FF2B5EF4-FFF2-40B4-BE49-F238E27FC236}">
-                <a16:creationId xmlns:a16="http://schemas.microsoft.com/office/drawing/2014/main" id="{5DDA3985-809C-318E-98B0-1CB6CCE3510B}"/>
+                <a16:creationId xmlns:a16="http://schemas.microsoft.com/office/drawing/2014/main" id="{6494B4BD-CA48-44CD-6F08-F738748E42BC}"/>
               </a:ext>
             </a:extLst>
           </p:cNvPr>
@@ -166,7 +166,7 @@
           <p:cNvPr id="3" name="副标题 2">
             <a:extLst>
               <a:ext uri="{FF2B5EF4-FFF2-40B4-BE49-F238E27FC236}">
-                <a16:creationId xmlns:a16="http://schemas.microsoft.com/office/drawing/2014/main" id="{846D6F05-63F2-8FB5-583B-43CB13CD4405}"/>
+                <a16:creationId xmlns:a16="http://schemas.microsoft.com/office/drawing/2014/main" id="{F2DBD009-888B-FEB2-A6D5-50342D8A0076}"/>
               </a:ext>
             </a:extLst>
           </p:cNvPr>
@@ -236,7 +236,7 @@
           <p:cNvPr id="4" name="日期占位符 3">
             <a:extLst>
               <a:ext uri="{FF2B5EF4-FFF2-40B4-BE49-F238E27FC236}">
-                <a16:creationId xmlns:a16="http://schemas.microsoft.com/office/drawing/2014/main" id="{D208ABEE-FF34-E003-BBB3-B316B50EC9DC}"/>
+                <a16:creationId xmlns:a16="http://schemas.microsoft.com/office/drawing/2014/main" id="{C8162B86-642F-1F57-1CE9-DE388C621F77}"/>
               </a:ext>
             </a:extLst>
           </p:cNvPr>
@@ -252,7 +252,7 @@
           <a:bodyPr/>
           <a:lstStyle/>
           <a:p>
-            <a:fld id="{EE017D9B-9D1C-439B-ACC4-10C3CA016D7E}" type="datetimeFigureOut">
+            <a:fld id="{283B545A-4B02-4D48-BB31-350ACBC20CBC}" type="datetimeFigureOut">
               <a:rPr lang="zh-CN" altLang="en-US" smtClean="0"/>
               <a:t>2024/3/10</a:t>
             </a:fld>
@@ -265,7 +265,7 @@
           <p:cNvPr id="5" name="页脚占位符 4">
             <a:extLst>
               <a:ext uri="{FF2B5EF4-FFF2-40B4-BE49-F238E27FC236}">
-                <a16:creationId xmlns:a16="http://schemas.microsoft.com/office/drawing/2014/main" id="{81597581-CD86-0260-F2EA-43DE95E3904F}"/>
+                <a16:creationId xmlns:a16="http://schemas.microsoft.com/office/drawing/2014/main" id="{073DB92D-D0B6-C850-A0C3-E6BB6B50ACE1}"/>
               </a:ext>
             </a:extLst>
           </p:cNvPr>
@@ -290,7 +290,7 @@
           <p:cNvPr id="6" name="灯片编号占位符 5">
             <a:extLst>
               <a:ext uri="{FF2B5EF4-FFF2-40B4-BE49-F238E27FC236}">
-                <a16:creationId xmlns:a16="http://schemas.microsoft.com/office/drawing/2014/main" id="{7DBF52EF-A094-EB92-9D18-802AA45899DF}"/>
+                <a16:creationId xmlns:a16="http://schemas.microsoft.com/office/drawing/2014/main" id="{6E04683F-1F7F-3FBB-7661-74400C467F66}"/>
               </a:ext>
             </a:extLst>
           </p:cNvPr>
@@ -306,7 +306,7 @@
           <a:bodyPr/>
           <a:lstStyle/>
           <a:p>
-            <a:fld id="{77D82DF5-F9E5-4348-8CF0-F8E8F55D3099}" type="slidenum">
+            <a:fld id="{36DA5A80-CD02-456A-B174-47B8916E41BA}" type="slidenum">
               <a:rPr lang="zh-CN" altLang="en-US" smtClean="0"/>
               <a:t>‹#›</a:t>
             </a:fld>
@@ -317,7 +317,7 @@
     </p:spTree>
     <p:extLst>
       <p:ext uri="{BB962C8B-B14F-4D97-AF65-F5344CB8AC3E}">
-        <p14:creationId xmlns:p14="http://schemas.microsoft.com/office/powerpoint/2010/main" val="4230834853"/>
+        <p14:creationId xmlns:p14="http://schemas.microsoft.com/office/powerpoint/2010/main" val="652693668"/>
       </p:ext>
     </p:extLst>
   </p:cSld>
@@ -349,7 +349,7 @@
           <p:cNvPr id="2" name="标题 1">
             <a:extLst>
               <a:ext uri="{FF2B5EF4-FFF2-40B4-BE49-F238E27FC236}">
-                <a16:creationId xmlns:a16="http://schemas.microsoft.com/office/drawing/2014/main" id="{71C9A205-7953-8AD3-14E2-DDD4DF1EA21D}"/>
+                <a16:creationId xmlns:a16="http://schemas.microsoft.com/office/drawing/2014/main" id="{5A375514-8F67-6977-94F3-000D2A88F041}"/>
               </a:ext>
             </a:extLst>
           </p:cNvPr>
@@ -377,7 +377,7 @@
           <p:cNvPr id="3" name="竖排文字占位符 2">
             <a:extLst>
               <a:ext uri="{FF2B5EF4-FFF2-40B4-BE49-F238E27FC236}">
-                <a16:creationId xmlns:a16="http://schemas.microsoft.com/office/drawing/2014/main" id="{52F86E95-8C1E-39C2-3EF1-8F434113A7CA}"/>
+                <a16:creationId xmlns:a16="http://schemas.microsoft.com/office/drawing/2014/main" id="{3B4EBBC8-0F0C-48A3-09CE-69C66578C52E}"/>
               </a:ext>
             </a:extLst>
           </p:cNvPr>
@@ -434,7 +434,7 @@
           <p:cNvPr id="4" name="日期占位符 3">
             <a:extLst>
               <a:ext uri="{FF2B5EF4-FFF2-40B4-BE49-F238E27FC236}">
-                <a16:creationId xmlns:a16="http://schemas.microsoft.com/office/drawing/2014/main" id="{438AF775-B9D1-ABEA-BE2C-94F54B61849E}"/>
+                <a16:creationId xmlns:a16="http://schemas.microsoft.com/office/drawing/2014/main" id="{F4D7BE90-B48C-F2C0-E660-BCE857378DE5}"/>
               </a:ext>
             </a:extLst>
           </p:cNvPr>
@@ -450,7 +450,7 @@
           <a:bodyPr/>
           <a:lstStyle/>
           <a:p>
-            <a:fld id="{EE017D9B-9D1C-439B-ACC4-10C3CA016D7E}" type="datetimeFigureOut">
+            <a:fld id="{283B545A-4B02-4D48-BB31-350ACBC20CBC}" type="datetimeFigureOut">
               <a:rPr lang="zh-CN" altLang="en-US" smtClean="0"/>
               <a:t>2024/3/10</a:t>
             </a:fld>
@@ -463,7 +463,7 @@
           <p:cNvPr id="5" name="页脚占位符 4">
             <a:extLst>
               <a:ext uri="{FF2B5EF4-FFF2-40B4-BE49-F238E27FC236}">
-                <a16:creationId xmlns:a16="http://schemas.microsoft.com/office/drawing/2014/main" id="{D719B077-A735-FE0F-4413-5FD6047E6700}"/>
+                <a16:creationId xmlns:a16="http://schemas.microsoft.com/office/drawing/2014/main" id="{E68E15E5-A080-80CD-36EA-72E347B7EBBB}"/>
               </a:ext>
             </a:extLst>
           </p:cNvPr>
@@ -488,7 +488,7 @@
           <p:cNvPr id="6" name="灯片编号占位符 5">
             <a:extLst>
               <a:ext uri="{FF2B5EF4-FFF2-40B4-BE49-F238E27FC236}">
-                <a16:creationId xmlns:a16="http://schemas.microsoft.com/office/drawing/2014/main" id="{8C9D4153-9403-7905-CC60-C9867F6F0E07}"/>
+                <a16:creationId xmlns:a16="http://schemas.microsoft.com/office/drawing/2014/main" id="{247323D2-C0AC-03D6-A2F5-56C870297C52}"/>
               </a:ext>
             </a:extLst>
           </p:cNvPr>
@@ -504,7 +504,7 @@
           <a:bodyPr/>
           <a:lstStyle/>
           <a:p>
-            <a:fld id="{77D82DF5-F9E5-4348-8CF0-F8E8F55D3099}" type="slidenum">
+            <a:fld id="{36DA5A80-CD02-456A-B174-47B8916E41BA}" type="slidenum">
               <a:rPr lang="zh-CN" altLang="en-US" smtClean="0"/>
               <a:t>‹#›</a:t>
             </a:fld>
@@ -515,7 +515,7 @@
     </p:spTree>
     <p:extLst>
       <p:ext uri="{BB962C8B-B14F-4D97-AF65-F5344CB8AC3E}">
-        <p14:creationId xmlns:p14="http://schemas.microsoft.com/office/powerpoint/2010/main" val="1484966466"/>
+        <p14:creationId xmlns:p14="http://schemas.microsoft.com/office/powerpoint/2010/main" val="1666708483"/>
       </p:ext>
     </p:extLst>
   </p:cSld>
@@ -547,7 +547,7 @@
           <p:cNvPr id="2" name="竖排标题 1">
             <a:extLst>
               <a:ext uri="{FF2B5EF4-FFF2-40B4-BE49-F238E27FC236}">
-                <a16:creationId xmlns:a16="http://schemas.microsoft.com/office/drawing/2014/main" id="{655D588A-032A-C0D5-2804-FFF1E695F3D5}"/>
+                <a16:creationId xmlns:a16="http://schemas.microsoft.com/office/drawing/2014/main" id="{135DEBCA-F618-02ED-DF60-F12C54044484}"/>
               </a:ext>
             </a:extLst>
           </p:cNvPr>
@@ -580,7 +580,7 @@
           <p:cNvPr id="3" name="竖排文字占位符 2">
             <a:extLst>
               <a:ext uri="{FF2B5EF4-FFF2-40B4-BE49-F238E27FC236}">
-                <a16:creationId xmlns:a16="http://schemas.microsoft.com/office/drawing/2014/main" id="{A7F3B317-82C9-03AC-4836-104FC8BA258D}"/>
+                <a16:creationId xmlns:a16="http://schemas.microsoft.com/office/drawing/2014/main" id="{FEA7AB55-D5C4-144B-80C7-F28C21B82CD5}"/>
               </a:ext>
             </a:extLst>
           </p:cNvPr>
@@ -642,7 +642,7 @@
           <p:cNvPr id="4" name="日期占位符 3">
             <a:extLst>
               <a:ext uri="{FF2B5EF4-FFF2-40B4-BE49-F238E27FC236}">
-                <a16:creationId xmlns:a16="http://schemas.microsoft.com/office/drawing/2014/main" id="{55EFE243-3DB0-0088-AEB3-FF72561D1849}"/>
+                <a16:creationId xmlns:a16="http://schemas.microsoft.com/office/drawing/2014/main" id="{D0F47536-D149-2530-2AAD-80135A39FF26}"/>
               </a:ext>
             </a:extLst>
           </p:cNvPr>
@@ -658,7 +658,7 @@
           <a:bodyPr/>
           <a:lstStyle/>
           <a:p>
-            <a:fld id="{EE017D9B-9D1C-439B-ACC4-10C3CA016D7E}" type="datetimeFigureOut">
+            <a:fld id="{283B545A-4B02-4D48-BB31-350ACBC20CBC}" type="datetimeFigureOut">
               <a:rPr lang="zh-CN" altLang="en-US" smtClean="0"/>
               <a:t>2024/3/10</a:t>
             </a:fld>
@@ -671,7 +671,7 @@
           <p:cNvPr id="5" name="页脚占位符 4">
             <a:extLst>
               <a:ext uri="{FF2B5EF4-FFF2-40B4-BE49-F238E27FC236}">
-                <a16:creationId xmlns:a16="http://schemas.microsoft.com/office/drawing/2014/main" id="{D89B8A3F-AC7D-577D-D83D-3696181E0CF6}"/>
+                <a16:creationId xmlns:a16="http://schemas.microsoft.com/office/drawing/2014/main" id="{65F7EA38-5488-C08F-EC08-41D58808E218}"/>
               </a:ext>
             </a:extLst>
           </p:cNvPr>
@@ -696,7 +696,7 @@
           <p:cNvPr id="6" name="灯片编号占位符 5">
             <a:extLst>
               <a:ext uri="{FF2B5EF4-FFF2-40B4-BE49-F238E27FC236}">
-                <a16:creationId xmlns:a16="http://schemas.microsoft.com/office/drawing/2014/main" id="{58844B9C-56D3-0A6E-2510-B41F1330B9E1}"/>
+                <a16:creationId xmlns:a16="http://schemas.microsoft.com/office/drawing/2014/main" id="{76A221A5-81A0-41E8-4221-41CA4D3B7529}"/>
               </a:ext>
             </a:extLst>
           </p:cNvPr>
@@ -712,7 +712,7 @@
           <a:bodyPr/>
           <a:lstStyle/>
           <a:p>
-            <a:fld id="{77D82DF5-F9E5-4348-8CF0-F8E8F55D3099}" type="slidenum">
+            <a:fld id="{36DA5A80-CD02-456A-B174-47B8916E41BA}" type="slidenum">
               <a:rPr lang="zh-CN" altLang="en-US" smtClean="0"/>
               <a:t>‹#›</a:t>
             </a:fld>
@@ -723,7 +723,7 @@
     </p:spTree>
     <p:extLst>
       <p:ext uri="{BB962C8B-B14F-4D97-AF65-F5344CB8AC3E}">
-        <p14:creationId xmlns:p14="http://schemas.microsoft.com/office/powerpoint/2010/main" val="1388053424"/>
+        <p14:creationId xmlns:p14="http://schemas.microsoft.com/office/powerpoint/2010/main" val="4198536153"/>
       </p:ext>
     </p:extLst>
   </p:cSld>
@@ -755,7 +755,7 @@
           <p:cNvPr id="2" name="标题 1">
             <a:extLst>
               <a:ext uri="{FF2B5EF4-FFF2-40B4-BE49-F238E27FC236}">
-                <a16:creationId xmlns:a16="http://schemas.microsoft.com/office/drawing/2014/main" id="{F1A31719-BE6A-1948-2062-49F9D644C265}"/>
+                <a16:creationId xmlns:a16="http://schemas.microsoft.com/office/drawing/2014/main" id="{D3FEB027-F7E1-763D-C33E-9614A72D4ADD}"/>
               </a:ext>
             </a:extLst>
           </p:cNvPr>
@@ -783,7 +783,7 @@
           <p:cNvPr id="3" name="内容占位符 2">
             <a:extLst>
               <a:ext uri="{FF2B5EF4-FFF2-40B4-BE49-F238E27FC236}">
-                <a16:creationId xmlns:a16="http://schemas.microsoft.com/office/drawing/2014/main" id="{7E33A99F-F6A8-E8B9-4D23-CEB078596EFD}"/>
+                <a16:creationId xmlns:a16="http://schemas.microsoft.com/office/drawing/2014/main" id="{40996854-24C0-A8AF-FF61-26B07C5CF15B}"/>
               </a:ext>
             </a:extLst>
           </p:cNvPr>
@@ -840,7 +840,7 @@
           <p:cNvPr id="4" name="日期占位符 3">
             <a:extLst>
               <a:ext uri="{FF2B5EF4-FFF2-40B4-BE49-F238E27FC236}">
-                <a16:creationId xmlns:a16="http://schemas.microsoft.com/office/drawing/2014/main" id="{5BA745C3-A0FA-CB6E-0727-76A42B96D686}"/>
+                <a16:creationId xmlns:a16="http://schemas.microsoft.com/office/drawing/2014/main" id="{039BA094-1BD7-5FFE-D10C-40AA7F05E8E1}"/>
               </a:ext>
             </a:extLst>
           </p:cNvPr>
@@ -856,7 +856,7 @@
           <a:bodyPr/>
           <a:lstStyle/>
           <a:p>
-            <a:fld id="{EE017D9B-9D1C-439B-ACC4-10C3CA016D7E}" type="datetimeFigureOut">
+            <a:fld id="{283B545A-4B02-4D48-BB31-350ACBC20CBC}" type="datetimeFigureOut">
               <a:rPr lang="zh-CN" altLang="en-US" smtClean="0"/>
               <a:t>2024/3/10</a:t>
             </a:fld>
@@ -869,7 +869,7 @@
           <p:cNvPr id="5" name="页脚占位符 4">
             <a:extLst>
               <a:ext uri="{FF2B5EF4-FFF2-40B4-BE49-F238E27FC236}">
-                <a16:creationId xmlns:a16="http://schemas.microsoft.com/office/drawing/2014/main" id="{6A19EA0B-0015-62B5-2511-5EFF6A4E5607}"/>
+                <a16:creationId xmlns:a16="http://schemas.microsoft.com/office/drawing/2014/main" id="{FCB60D35-3E8E-4406-912B-4E45ED9C95C6}"/>
               </a:ext>
             </a:extLst>
           </p:cNvPr>
@@ -894,7 +894,7 @@
           <p:cNvPr id="6" name="灯片编号占位符 5">
             <a:extLst>
               <a:ext uri="{FF2B5EF4-FFF2-40B4-BE49-F238E27FC236}">
-                <a16:creationId xmlns:a16="http://schemas.microsoft.com/office/drawing/2014/main" id="{2B42911E-076E-5F09-FCBC-7D2267333944}"/>
+                <a16:creationId xmlns:a16="http://schemas.microsoft.com/office/drawing/2014/main" id="{3EA0A1B9-BD93-8EEE-4A3C-BD232F612D38}"/>
               </a:ext>
             </a:extLst>
           </p:cNvPr>
@@ -910,7 +910,7 @@
           <a:bodyPr/>
           <a:lstStyle/>
           <a:p>
-            <a:fld id="{77D82DF5-F9E5-4348-8CF0-F8E8F55D3099}" type="slidenum">
+            <a:fld id="{36DA5A80-CD02-456A-B174-47B8916E41BA}" type="slidenum">
               <a:rPr lang="zh-CN" altLang="en-US" smtClean="0"/>
               <a:t>‹#›</a:t>
             </a:fld>
@@ -921,7 +921,7 @@
     </p:spTree>
     <p:extLst>
       <p:ext uri="{BB962C8B-B14F-4D97-AF65-F5344CB8AC3E}">
-        <p14:creationId xmlns:p14="http://schemas.microsoft.com/office/powerpoint/2010/main" val="3349607416"/>
+        <p14:creationId xmlns:p14="http://schemas.microsoft.com/office/powerpoint/2010/main" val="2279138438"/>
       </p:ext>
     </p:extLst>
   </p:cSld>
@@ -953,7 +953,7 @@
           <p:cNvPr id="2" name="标题 1">
             <a:extLst>
               <a:ext uri="{FF2B5EF4-FFF2-40B4-BE49-F238E27FC236}">
-                <a16:creationId xmlns:a16="http://schemas.microsoft.com/office/drawing/2014/main" id="{030DE055-4ED1-0794-9AC8-8362D42145E1}"/>
+                <a16:creationId xmlns:a16="http://schemas.microsoft.com/office/drawing/2014/main" id="{D88A2CB2-028C-6795-00E9-8874FF0FCDA3}"/>
               </a:ext>
             </a:extLst>
           </p:cNvPr>
@@ -990,7 +990,7 @@
           <p:cNvPr id="3" name="文本占位符 2">
             <a:extLst>
               <a:ext uri="{FF2B5EF4-FFF2-40B4-BE49-F238E27FC236}">
-                <a16:creationId xmlns:a16="http://schemas.microsoft.com/office/drawing/2014/main" id="{B516452B-FADD-8871-1A45-88A9013637B5}"/>
+                <a16:creationId xmlns:a16="http://schemas.microsoft.com/office/drawing/2014/main" id="{CA28D899-1A5E-E655-07C7-9CFEAFE39B97}"/>
               </a:ext>
             </a:extLst>
           </p:cNvPr>
@@ -1115,7 +1115,7 @@
           <p:cNvPr id="4" name="日期占位符 3">
             <a:extLst>
               <a:ext uri="{FF2B5EF4-FFF2-40B4-BE49-F238E27FC236}">
-                <a16:creationId xmlns:a16="http://schemas.microsoft.com/office/drawing/2014/main" id="{2CEE96C9-D919-F2A1-0019-B7AAE5887FC2}"/>
+                <a16:creationId xmlns:a16="http://schemas.microsoft.com/office/drawing/2014/main" id="{ECBCCB47-E7DC-F34C-F60E-7AFCA6B8F802}"/>
               </a:ext>
             </a:extLst>
           </p:cNvPr>
@@ -1131,7 +1131,7 @@
           <a:bodyPr/>
           <a:lstStyle/>
           <a:p>
-            <a:fld id="{EE017D9B-9D1C-439B-ACC4-10C3CA016D7E}" type="datetimeFigureOut">
+            <a:fld id="{283B545A-4B02-4D48-BB31-350ACBC20CBC}" type="datetimeFigureOut">
               <a:rPr lang="zh-CN" altLang="en-US" smtClean="0"/>
               <a:t>2024/3/10</a:t>
             </a:fld>
@@ -1144,7 +1144,7 @@
           <p:cNvPr id="5" name="页脚占位符 4">
             <a:extLst>
               <a:ext uri="{FF2B5EF4-FFF2-40B4-BE49-F238E27FC236}">
-                <a16:creationId xmlns:a16="http://schemas.microsoft.com/office/drawing/2014/main" id="{AE7F479F-5DDC-A605-37C5-6536890A9C10}"/>
+                <a16:creationId xmlns:a16="http://schemas.microsoft.com/office/drawing/2014/main" id="{73F23B02-A82C-C827-2544-DC3F32F23762}"/>
               </a:ext>
             </a:extLst>
           </p:cNvPr>
@@ -1169,7 +1169,7 @@
           <p:cNvPr id="6" name="灯片编号占位符 5">
             <a:extLst>
               <a:ext uri="{FF2B5EF4-FFF2-40B4-BE49-F238E27FC236}">
-                <a16:creationId xmlns:a16="http://schemas.microsoft.com/office/drawing/2014/main" id="{160699A9-937B-DC47-7515-EEE800A38CC4}"/>
+                <a16:creationId xmlns:a16="http://schemas.microsoft.com/office/drawing/2014/main" id="{F5980573-9FA5-3C0A-D588-F865F450A29D}"/>
               </a:ext>
             </a:extLst>
           </p:cNvPr>
@@ -1185,7 +1185,7 @@
           <a:bodyPr/>
           <a:lstStyle/>
           <a:p>
-            <a:fld id="{77D82DF5-F9E5-4348-8CF0-F8E8F55D3099}" type="slidenum">
+            <a:fld id="{36DA5A80-CD02-456A-B174-47B8916E41BA}" type="slidenum">
               <a:rPr lang="zh-CN" altLang="en-US" smtClean="0"/>
               <a:t>‹#›</a:t>
             </a:fld>
@@ -1196,7 +1196,7 @@
     </p:spTree>
     <p:extLst>
       <p:ext uri="{BB962C8B-B14F-4D97-AF65-F5344CB8AC3E}">
-        <p14:creationId xmlns:p14="http://schemas.microsoft.com/office/powerpoint/2010/main" val="2762882071"/>
+        <p14:creationId xmlns:p14="http://schemas.microsoft.com/office/powerpoint/2010/main" val="407365446"/>
       </p:ext>
     </p:extLst>
   </p:cSld>
@@ -1228,7 +1228,7 @@
           <p:cNvPr id="2" name="标题 1">
             <a:extLst>
               <a:ext uri="{FF2B5EF4-FFF2-40B4-BE49-F238E27FC236}">
-                <a16:creationId xmlns:a16="http://schemas.microsoft.com/office/drawing/2014/main" id="{45CE57CE-7374-D1CE-9CE0-D1325D66D93C}"/>
+                <a16:creationId xmlns:a16="http://schemas.microsoft.com/office/drawing/2014/main" id="{FA843D21-C832-957A-A0DC-1406211C06A9}"/>
               </a:ext>
             </a:extLst>
           </p:cNvPr>
@@ -1256,7 +1256,7 @@
           <p:cNvPr id="3" name="内容占位符 2">
             <a:extLst>
               <a:ext uri="{FF2B5EF4-FFF2-40B4-BE49-F238E27FC236}">
-                <a16:creationId xmlns:a16="http://schemas.microsoft.com/office/drawing/2014/main" id="{48F4ABFA-9878-F3D2-2B13-7536A1DC982F}"/>
+                <a16:creationId xmlns:a16="http://schemas.microsoft.com/office/drawing/2014/main" id="{820DD06B-8F4B-3408-7EC2-893EDBAA9B1E}"/>
               </a:ext>
             </a:extLst>
           </p:cNvPr>
@@ -1318,7 +1318,7 @@
           <p:cNvPr id="4" name="内容占位符 3">
             <a:extLst>
               <a:ext uri="{FF2B5EF4-FFF2-40B4-BE49-F238E27FC236}">
-                <a16:creationId xmlns:a16="http://schemas.microsoft.com/office/drawing/2014/main" id="{A228849C-E4B0-BC7F-5A4E-D70360451EC7}"/>
+                <a16:creationId xmlns:a16="http://schemas.microsoft.com/office/drawing/2014/main" id="{73C09AA6-CAB8-F2A4-6B4C-AF1CCB6E0345}"/>
               </a:ext>
             </a:extLst>
           </p:cNvPr>
@@ -1380,7 +1380,7 @@
           <p:cNvPr id="5" name="日期占位符 4">
             <a:extLst>
               <a:ext uri="{FF2B5EF4-FFF2-40B4-BE49-F238E27FC236}">
-                <a16:creationId xmlns:a16="http://schemas.microsoft.com/office/drawing/2014/main" id="{871A5CA8-4278-F882-DDA3-A84F1268D08E}"/>
+                <a16:creationId xmlns:a16="http://schemas.microsoft.com/office/drawing/2014/main" id="{D48B6E87-A79D-7302-6AF5-DB4030489ADC}"/>
               </a:ext>
             </a:extLst>
           </p:cNvPr>
@@ -1396,7 +1396,7 @@
           <a:bodyPr/>
           <a:lstStyle/>
           <a:p>
-            <a:fld id="{EE017D9B-9D1C-439B-ACC4-10C3CA016D7E}" type="datetimeFigureOut">
+            <a:fld id="{283B545A-4B02-4D48-BB31-350ACBC20CBC}" type="datetimeFigureOut">
               <a:rPr lang="zh-CN" altLang="en-US" smtClean="0"/>
               <a:t>2024/3/10</a:t>
             </a:fld>
@@ -1409,7 +1409,7 @@
           <p:cNvPr id="6" name="页脚占位符 5">
             <a:extLst>
               <a:ext uri="{FF2B5EF4-FFF2-40B4-BE49-F238E27FC236}">
-                <a16:creationId xmlns:a16="http://schemas.microsoft.com/office/drawing/2014/main" id="{1926E41C-6A97-D44B-B183-CE8A0D6509D1}"/>
+                <a16:creationId xmlns:a16="http://schemas.microsoft.com/office/drawing/2014/main" id="{C9EB8150-F594-1D77-5908-9A20FCE37C1B}"/>
               </a:ext>
             </a:extLst>
           </p:cNvPr>
@@ -1434,7 +1434,7 @@
           <p:cNvPr id="7" name="灯片编号占位符 6">
             <a:extLst>
               <a:ext uri="{FF2B5EF4-FFF2-40B4-BE49-F238E27FC236}">
-                <a16:creationId xmlns:a16="http://schemas.microsoft.com/office/drawing/2014/main" id="{FF7904D4-27B1-4094-4ED2-FA556ADD16EA}"/>
+                <a16:creationId xmlns:a16="http://schemas.microsoft.com/office/drawing/2014/main" id="{14F0A4A3-2FE9-585B-CFCF-0B1210FAE6FE}"/>
               </a:ext>
             </a:extLst>
           </p:cNvPr>
@@ -1450,7 +1450,7 @@
           <a:bodyPr/>
           <a:lstStyle/>
           <a:p>
-            <a:fld id="{77D82DF5-F9E5-4348-8CF0-F8E8F55D3099}" type="slidenum">
+            <a:fld id="{36DA5A80-CD02-456A-B174-47B8916E41BA}" type="slidenum">
               <a:rPr lang="zh-CN" altLang="en-US" smtClean="0"/>
               <a:t>‹#›</a:t>
             </a:fld>
@@ -1461,7 +1461,7 @@
     </p:spTree>
     <p:extLst>
       <p:ext uri="{BB962C8B-B14F-4D97-AF65-F5344CB8AC3E}">
-        <p14:creationId xmlns:p14="http://schemas.microsoft.com/office/powerpoint/2010/main" val="3092438981"/>
+        <p14:creationId xmlns:p14="http://schemas.microsoft.com/office/powerpoint/2010/main" val="3777505719"/>
       </p:ext>
     </p:extLst>
   </p:cSld>
@@ -1493,7 +1493,7 @@
           <p:cNvPr id="2" name="标题 1">
             <a:extLst>
               <a:ext uri="{FF2B5EF4-FFF2-40B4-BE49-F238E27FC236}">
-                <a16:creationId xmlns:a16="http://schemas.microsoft.com/office/drawing/2014/main" id="{21BC32D1-F29E-8F1A-B32F-81E2488A1180}"/>
+                <a16:creationId xmlns:a16="http://schemas.microsoft.com/office/drawing/2014/main" id="{8758E574-037C-F30B-364A-459DD5F1C174}"/>
               </a:ext>
             </a:extLst>
           </p:cNvPr>
@@ -1526,7 +1526,7 @@
           <p:cNvPr id="3" name="文本占位符 2">
             <a:extLst>
               <a:ext uri="{FF2B5EF4-FFF2-40B4-BE49-F238E27FC236}">
-                <a16:creationId xmlns:a16="http://schemas.microsoft.com/office/drawing/2014/main" id="{DDFA8E22-97C9-880C-DC4C-4D4B6B5F6486}"/>
+                <a16:creationId xmlns:a16="http://schemas.microsoft.com/office/drawing/2014/main" id="{31D02A53-E959-BB29-1830-DF663E95DFF6}"/>
               </a:ext>
             </a:extLst>
           </p:cNvPr>
@@ -1597,7 +1597,7 @@
           <p:cNvPr id="4" name="内容占位符 3">
             <a:extLst>
               <a:ext uri="{FF2B5EF4-FFF2-40B4-BE49-F238E27FC236}">
-                <a16:creationId xmlns:a16="http://schemas.microsoft.com/office/drawing/2014/main" id="{D1E8FC03-A3C0-C245-BA94-7EC6D5797B40}"/>
+                <a16:creationId xmlns:a16="http://schemas.microsoft.com/office/drawing/2014/main" id="{5950DC85-EBF5-0CCA-43B7-FA52A3B35A46}"/>
               </a:ext>
             </a:extLst>
           </p:cNvPr>
@@ -1659,7 +1659,7 @@
           <p:cNvPr id="5" name="文本占位符 4">
             <a:extLst>
               <a:ext uri="{FF2B5EF4-FFF2-40B4-BE49-F238E27FC236}">
-                <a16:creationId xmlns:a16="http://schemas.microsoft.com/office/drawing/2014/main" id="{268B9FC9-FAFD-BE23-3F95-5752F3079EB6}"/>
+                <a16:creationId xmlns:a16="http://schemas.microsoft.com/office/drawing/2014/main" id="{AC8638B5-866F-4F45-DD70-643FABCB4D9E}"/>
               </a:ext>
             </a:extLst>
           </p:cNvPr>
@@ -1730,7 +1730,7 @@
           <p:cNvPr id="6" name="内容占位符 5">
             <a:extLst>
               <a:ext uri="{FF2B5EF4-FFF2-40B4-BE49-F238E27FC236}">
-                <a16:creationId xmlns:a16="http://schemas.microsoft.com/office/drawing/2014/main" id="{C650A137-A467-A3D0-F911-9424596748FA}"/>
+                <a16:creationId xmlns:a16="http://schemas.microsoft.com/office/drawing/2014/main" id="{5698F97C-5B2E-19DB-0693-C5E35640AFB9}"/>
               </a:ext>
             </a:extLst>
           </p:cNvPr>
@@ -1792,7 +1792,7 @@
           <p:cNvPr id="7" name="日期占位符 6">
             <a:extLst>
               <a:ext uri="{FF2B5EF4-FFF2-40B4-BE49-F238E27FC236}">
-                <a16:creationId xmlns:a16="http://schemas.microsoft.com/office/drawing/2014/main" id="{50B0C98B-CDDB-33AC-EC5E-4D627FF869A4}"/>
+                <a16:creationId xmlns:a16="http://schemas.microsoft.com/office/drawing/2014/main" id="{E1AE2BA5-2A5F-058F-0225-969F8F99B445}"/>
               </a:ext>
             </a:extLst>
           </p:cNvPr>
@@ -1808,7 +1808,7 @@
           <a:bodyPr/>
           <a:lstStyle/>
           <a:p>
-            <a:fld id="{EE017D9B-9D1C-439B-ACC4-10C3CA016D7E}" type="datetimeFigureOut">
+            <a:fld id="{283B545A-4B02-4D48-BB31-350ACBC20CBC}" type="datetimeFigureOut">
               <a:rPr lang="zh-CN" altLang="en-US" smtClean="0"/>
               <a:t>2024/3/10</a:t>
             </a:fld>
@@ -1821,7 +1821,7 @@
           <p:cNvPr id="8" name="页脚占位符 7">
             <a:extLst>
               <a:ext uri="{FF2B5EF4-FFF2-40B4-BE49-F238E27FC236}">
-                <a16:creationId xmlns:a16="http://schemas.microsoft.com/office/drawing/2014/main" id="{E11A72C3-8C7E-3805-32F4-5C5A4D53B068}"/>
+                <a16:creationId xmlns:a16="http://schemas.microsoft.com/office/drawing/2014/main" id="{9E8B777C-37EF-E1B4-3FD4-158A5241F227}"/>
               </a:ext>
             </a:extLst>
           </p:cNvPr>
@@ -1846,7 +1846,7 @@
           <p:cNvPr id="9" name="灯片编号占位符 8">
             <a:extLst>
               <a:ext uri="{FF2B5EF4-FFF2-40B4-BE49-F238E27FC236}">
-                <a16:creationId xmlns:a16="http://schemas.microsoft.com/office/drawing/2014/main" id="{5A862FFF-7DFE-06C2-F2BF-A0FC44C2857C}"/>
+                <a16:creationId xmlns:a16="http://schemas.microsoft.com/office/drawing/2014/main" id="{F021A638-7F94-FCB7-F24A-B07BBC91A7BA}"/>
               </a:ext>
             </a:extLst>
           </p:cNvPr>
@@ -1862,7 +1862,7 @@
           <a:bodyPr/>
           <a:lstStyle/>
           <a:p>
-            <a:fld id="{77D82DF5-F9E5-4348-8CF0-F8E8F55D3099}" type="slidenum">
+            <a:fld id="{36DA5A80-CD02-456A-B174-47B8916E41BA}" type="slidenum">
               <a:rPr lang="zh-CN" altLang="en-US" smtClean="0"/>
               <a:t>‹#›</a:t>
             </a:fld>
@@ -1873,7 +1873,7 @@
     </p:spTree>
     <p:extLst>
       <p:ext uri="{BB962C8B-B14F-4D97-AF65-F5344CB8AC3E}">
-        <p14:creationId xmlns:p14="http://schemas.microsoft.com/office/powerpoint/2010/main" val="4204103585"/>
+        <p14:creationId xmlns:p14="http://schemas.microsoft.com/office/powerpoint/2010/main" val="2792790438"/>
       </p:ext>
     </p:extLst>
   </p:cSld>
@@ -1905,7 +1905,7 @@
           <p:cNvPr id="2" name="标题 1">
             <a:extLst>
               <a:ext uri="{FF2B5EF4-FFF2-40B4-BE49-F238E27FC236}">
-                <a16:creationId xmlns:a16="http://schemas.microsoft.com/office/drawing/2014/main" id="{CD50E26B-B74F-0FBE-BF0B-CB1F55248903}"/>
+                <a16:creationId xmlns:a16="http://schemas.microsoft.com/office/drawing/2014/main" id="{0767D1EA-879A-ABD2-5344-75AEA827C217}"/>
               </a:ext>
             </a:extLst>
           </p:cNvPr>
@@ -1933,7 +1933,7 @@
           <p:cNvPr id="3" name="日期占位符 2">
             <a:extLst>
               <a:ext uri="{FF2B5EF4-FFF2-40B4-BE49-F238E27FC236}">
-                <a16:creationId xmlns:a16="http://schemas.microsoft.com/office/drawing/2014/main" id="{6F0D64DE-D3BD-B672-E9B3-AE474BDED537}"/>
+                <a16:creationId xmlns:a16="http://schemas.microsoft.com/office/drawing/2014/main" id="{87D084DA-2416-BBD1-128E-0BB04E5D07AC}"/>
               </a:ext>
             </a:extLst>
           </p:cNvPr>
@@ -1949,7 +1949,7 @@
           <a:bodyPr/>
           <a:lstStyle/>
           <a:p>
-            <a:fld id="{EE017D9B-9D1C-439B-ACC4-10C3CA016D7E}" type="datetimeFigureOut">
+            <a:fld id="{283B545A-4B02-4D48-BB31-350ACBC20CBC}" type="datetimeFigureOut">
               <a:rPr lang="zh-CN" altLang="en-US" smtClean="0"/>
               <a:t>2024/3/10</a:t>
             </a:fld>
@@ -1962,7 +1962,7 @@
           <p:cNvPr id="4" name="页脚占位符 3">
             <a:extLst>
               <a:ext uri="{FF2B5EF4-FFF2-40B4-BE49-F238E27FC236}">
-                <a16:creationId xmlns:a16="http://schemas.microsoft.com/office/drawing/2014/main" id="{D8602827-5FD3-188E-1767-5A0E3AFF51F3}"/>
+                <a16:creationId xmlns:a16="http://schemas.microsoft.com/office/drawing/2014/main" id="{2D26D9A0-69F2-F1C0-78B2-12B198811452}"/>
               </a:ext>
             </a:extLst>
           </p:cNvPr>
@@ -1987,7 +1987,7 @@
           <p:cNvPr id="5" name="灯片编号占位符 4">
             <a:extLst>
               <a:ext uri="{FF2B5EF4-FFF2-40B4-BE49-F238E27FC236}">
-                <a16:creationId xmlns:a16="http://schemas.microsoft.com/office/drawing/2014/main" id="{73E9804B-B9CE-74F0-45CD-3071E991B156}"/>
+                <a16:creationId xmlns:a16="http://schemas.microsoft.com/office/drawing/2014/main" id="{D0783CE1-5AF7-2440-D0D8-640444A64F2D}"/>
               </a:ext>
             </a:extLst>
           </p:cNvPr>
@@ -2003,7 +2003,7 @@
           <a:bodyPr/>
           <a:lstStyle/>
           <a:p>
-            <a:fld id="{77D82DF5-F9E5-4348-8CF0-F8E8F55D3099}" type="slidenum">
+            <a:fld id="{36DA5A80-CD02-456A-B174-47B8916E41BA}" type="slidenum">
               <a:rPr lang="zh-CN" altLang="en-US" smtClean="0"/>
               <a:t>‹#›</a:t>
             </a:fld>
@@ -2014,7 +2014,7 @@
     </p:spTree>
     <p:extLst>
       <p:ext uri="{BB962C8B-B14F-4D97-AF65-F5344CB8AC3E}">
-        <p14:creationId xmlns:p14="http://schemas.microsoft.com/office/powerpoint/2010/main" val="895673730"/>
+        <p14:creationId xmlns:p14="http://schemas.microsoft.com/office/powerpoint/2010/main" val="1139782492"/>
       </p:ext>
     </p:extLst>
   </p:cSld>
@@ -2046,7 +2046,7 @@
           <p:cNvPr id="2" name="日期占位符 1">
             <a:extLst>
               <a:ext uri="{FF2B5EF4-FFF2-40B4-BE49-F238E27FC236}">
-                <a16:creationId xmlns:a16="http://schemas.microsoft.com/office/drawing/2014/main" id="{985FF7EC-4246-7EB6-0006-DC8B27417B49}"/>
+                <a16:creationId xmlns:a16="http://schemas.microsoft.com/office/drawing/2014/main" id="{648838F4-84D7-AFFA-1B47-7B5F4415CE7D}"/>
               </a:ext>
             </a:extLst>
           </p:cNvPr>
@@ -2062,7 +2062,7 @@
           <a:bodyPr/>
           <a:lstStyle/>
           <a:p>
-            <a:fld id="{EE017D9B-9D1C-439B-ACC4-10C3CA016D7E}" type="datetimeFigureOut">
+            <a:fld id="{283B545A-4B02-4D48-BB31-350ACBC20CBC}" type="datetimeFigureOut">
               <a:rPr lang="zh-CN" altLang="en-US" smtClean="0"/>
               <a:t>2024/3/10</a:t>
             </a:fld>
@@ -2075,7 +2075,7 @@
           <p:cNvPr id="3" name="页脚占位符 2">
             <a:extLst>
               <a:ext uri="{FF2B5EF4-FFF2-40B4-BE49-F238E27FC236}">
-                <a16:creationId xmlns:a16="http://schemas.microsoft.com/office/drawing/2014/main" id="{D1B5D4C0-206B-F86D-93DC-0C71EE7CA35B}"/>
+                <a16:creationId xmlns:a16="http://schemas.microsoft.com/office/drawing/2014/main" id="{3FA66D50-5850-EC23-1B70-C043EA39D116}"/>
               </a:ext>
             </a:extLst>
           </p:cNvPr>
@@ -2100,7 +2100,7 @@
           <p:cNvPr id="4" name="灯片编号占位符 3">
             <a:extLst>
               <a:ext uri="{FF2B5EF4-FFF2-40B4-BE49-F238E27FC236}">
-                <a16:creationId xmlns:a16="http://schemas.microsoft.com/office/drawing/2014/main" id="{FD900C4E-E37C-15C4-651A-473F28C1FF92}"/>
+                <a16:creationId xmlns:a16="http://schemas.microsoft.com/office/drawing/2014/main" id="{1D260E20-4275-36EA-08AB-4D4A7F541CCB}"/>
               </a:ext>
             </a:extLst>
           </p:cNvPr>
@@ -2116,7 +2116,7 @@
           <a:bodyPr/>
           <a:lstStyle/>
           <a:p>
-            <a:fld id="{77D82DF5-F9E5-4348-8CF0-F8E8F55D3099}" type="slidenum">
+            <a:fld id="{36DA5A80-CD02-456A-B174-47B8916E41BA}" type="slidenum">
               <a:rPr lang="zh-CN" altLang="en-US" smtClean="0"/>
               <a:t>‹#›</a:t>
             </a:fld>
@@ -2127,7 +2127,7 @@
     </p:spTree>
     <p:extLst>
       <p:ext uri="{BB962C8B-B14F-4D97-AF65-F5344CB8AC3E}">
-        <p14:creationId xmlns:p14="http://schemas.microsoft.com/office/powerpoint/2010/main" val="806135532"/>
+        <p14:creationId xmlns:p14="http://schemas.microsoft.com/office/powerpoint/2010/main" val="2091881707"/>
       </p:ext>
     </p:extLst>
   </p:cSld>
@@ -2159,7 +2159,7 @@
           <p:cNvPr id="2" name="标题 1">
             <a:extLst>
               <a:ext uri="{FF2B5EF4-FFF2-40B4-BE49-F238E27FC236}">
-                <a16:creationId xmlns:a16="http://schemas.microsoft.com/office/drawing/2014/main" id="{4A210806-C690-2251-4979-A12DA2D0DAB7}"/>
+                <a16:creationId xmlns:a16="http://schemas.microsoft.com/office/drawing/2014/main" id="{D2374AA1-B898-F403-0A6E-0952FBFD775D}"/>
               </a:ext>
             </a:extLst>
           </p:cNvPr>
@@ -2196,7 +2196,7 @@
           <p:cNvPr id="3" name="内容占位符 2">
             <a:extLst>
               <a:ext uri="{FF2B5EF4-FFF2-40B4-BE49-F238E27FC236}">
-                <a16:creationId xmlns:a16="http://schemas.microsoft.com/office/drawing/2014/main" id="{FE040D84-C60E-093C-2108-26B7239A6FFF}"/>
+                <a16:creationId xmlns:a16="http://schemas.microsoft.com/office/drawing/2014/main" id="{0B2EAB66-92C4-69B0-3604-9AE971E669A6}"/>
               </a:ext>
             </a:extLst>
           </p:cNvPr>
@@ -2286,7 +2286,7 @@
           <p:cNvPr id="4" name="文本占位符 3">
             <a:extLst>
               <a:ext uri="{FF2B5EF4-FFF2-40B4-BE49-F238E27FC236}">
-                <a16:creationId xmlns:a16="http://schemas.microsoft.com/office/drawing/2014/main" id="{A7F4F2D0-80CB-0E93-DA69-8ECBBFB7F4BE}"/>
+                <a16:creationId xmlns:a16="http://schemas.microsoft.com/office/drawing/2014/main" id="{556A4482-0533-E810-A5AC-0C00CE22EDF1}"/>
               </a:ext>
             </a:extLst>
           </p:cNvPr>
@@ -2357,7 +2357,7 @@
           <p:cNvPr id="5" name="日期占位符 4">
             <a:extLst>
               <a:ext uri="{FF2B5EF4-FFF2-40B4-BE49-F238E27FC236}">
-                <a16:creationId xmlns:a16="http://schemas.microsoft.com/office/drawing/2014/main" id="{B2F09205-8566-6249-687F-1DD19EFC462F}"/>
+                <a16:creationId xmlns:a16="http://schemas.microsoft.com/office/drawing/2014/main" id="{E86AAA4E-9569-07AB-EBC8-620383C6FC56}"/>
               </a:ext>
             </a:extLst>
           </p:cNvPr>
@@ -2373,7 +2373,7 @@
           <a:bodyPr/>
           <a:lstStyle/>
           <a:p>
-            <a:fld id="{EE017D9B-9D1C-439B-ACC4-10C3CA016D7E}" type="datetimeFigureOut">
+            <a:fld id="{283B545A-4B02-4D48-BB31-350ACBC20CBC}" type="datetimeFigureOut">
               <a:rPr lang="zh-CN" altLang="en-US" smtClean="0"/>
               <a:t>2024/3/10</a:t>
             </a:fld>
@@ -2386,7 +2386,7 @@
           <p:cNvPr id="6" name="页脚占位符 5">
             <a:extLst>
               <a:ext uri="{FF2B5EF4-FFF2-40B4-BE49-F238E27FC236}">
-                <a16:creationId xmlns:a16="http://schemas.microsoft.com/office/drawing/2014/main" id="{FF1C0A3E-4CBD-61B5-B4CB-EE3E9B393876}"/>
+                <a16:creationId xmlns:a16="http://schemas.microsoft.com/office/drawing/2014/main" id="{900C40C2-4590-B877-A146-AC45F7F9CB05}"/>
               </a:ext>
             </a:extLst>
           </p:cNvPr>
@@ -2411,7 +2411,7 @@
           <p:cNvPr id="7" name="灯片编号占位符 6">
             <a:extLst>
               <a:ext uri="{FF2B5EF4-FFF2-40B4-BE49-F238E27FC236}">
-                <a16:creationId xmlns:a16="http://schemas.microsoft.com/office/drawing/2014/main" id="{945A350A-8A9C-D5EE-CBFF-91C50805BEBD}"/>
+                <a16:creationId xmlns:a16="http://schemas.microsoft.com/office/drawing/2014/main" id="{0AD24842-0B0A-B5F9-A585-DD2D4FC3F340}"/>
               </a:ext>
             </a:extLst>
           </p:cNvPr>
@@ -2427,7 +2427,7 @@
           <a:bodyPr/>
           <a:lstStyle/>
           <a:p>
-            <a:fld id="{77D82DF5-F9E5-4348-8CF0-F8E8F55D3099}" type="slidenum">
+            <a:fld id="{36DA5A80-CD02-456A-B174-47B8916E41BA}" type="slidenum">
               <a:rPr lang="zh-CN" altLang="en-US" smtClean="0"/>
               <a:t>‹#›</a:t>
             </a:fld>
@@ -2438,7 +2438,7 @@
     </p:spTree>
     <p:extLst>
       <p:ext uri="{BB962C8B-B14F-4D97-AF65-F5344CB8AC3E}">
-        <p14:creationId xmlns:p14="http://schemas.microsoft.com/office/powerpoint/2010/main" val="2732883641"/>
+        <p14:creationId xmlns:p14="http://schemas.microsoft.com/office/powerpoint/2010/main" val="925984137"/>
       </p:ext>
     </p:extLst>
   </p:cSld>
@@ -2470,7 +2470,7 @@
           <p:cNvPr id="2" name="标题 1">
             <a:extLst>
               <a:ext uri="{FF2B5EF4-FFF2-40B4-BE49-F238E27FC236}">
-                <a16:creationId xmlns:a16="http://schemas.microsoft.com/office/drawing/2014/main" id="{BBFBC910-2D6D-C3B0-B1CC-094F1A3280D0}"/>
+                <a16:creationId xmlns:a16="http://schemas.microsoft.com/office/drawing/2014/main" id="{E2461CC5-04EC-7307-F2AF-99327AD4ADD5}"/>
               </a:ext>
             </a:extLst>
           </p:cNvPr>
@@ -2507,7 +2507,7 @@
           <p:cNvPr id="3" name="图片占位符 2">
             <a:extLst>
               <a:ext uri="{FF2B5EF4-FFF2-40B4-BE49-F238E27FC236}">
-                <a16:creationId xmlns:a16="http://schemas.microsoft.com/office/drawing/2014/main" id="{38D1BCBC-EF5A-7A1F-78E8-868879BC80CE}"/>
+                <a16:creationId xmlns:a16="http://schemas.microsoft.com/office/drawing/2014/main" id="{48170451-7441-C2E2-D70F-E8738A3B95D9}"/>
               </a:ext>
             </a:extLst>
           </p:cNvPr>
@@ -2574,7 +2574,7 @@
           <p:cNvPr id="4" name="文本占位符 3">
             <a:extLst>
               <a:ext uri="{FF2B5EF4-FFF2-40B4-BE49-F238E27FC236}">
-                <a16:creationId xmlns:a16="http://schemas.microsoft.com/office/drawing/2014/main" id="{F68248B3-9959-45A2-89C0-6943000E995E}"/>
+                <a16:creationId xmlns:a16="http://schemas.microsoft.com/office/drawing/2014/main" id="{CA27E9F0-8F2D-4F4C-AEC8-18960601A48F}"/>
               </a:ext>
             </a:extLst>
           </p:cNvPr>
@@ -2645,7 +2645,7 @@
           <p:cNvPr id="5" name="日期占位符 4">
             <a:extLst>
               <a:ext uri="{FF2B5EF4-FFF2-40B4-BE49-F238E27FC236}">
-                <a16:creationId xmlns:a16="http://schemas.microsoft.com/office/drawing/2014/main" id="{47AD546B-D5E2-9A1E-EDBD-7346916165D1}"/>
+                <a16:creationId xmlns:a16="http://schemas.microsoft.com/office/drawing/2014/main" id="{500C1E29-FD4A-6365-4ED9-5CB50CEF1BBA}"/>
               </a:ext>
             </a:extLst>
           </p:cNvPr>
@@ -2661,7 +2661,7 @@
           <a:bodyPr/>
           <a:lstStyle/>
           <a:p>
-            <a:fld id="{EE017D9B-9D1C-439B-ACC4-10C3CA016D7E}" type="datetimeFigureOut">
+            <a:fld id="{283B545A-4B02-4D48-BB31-350ACBC20CBC}" type="datetimeFigureOut">
               <a:rPr lang="zh-CN" altLang="en-US" smtClean="0"/>
               <a:t>2024/3/10</a:t>
             </a:fld>
@@ -2674,7 +2674,7 @@
           <p:cNvPr id="6" name="页脚占位符 5">
             <a:extLst>
               <a:ext uri="{FF2B5EF4-FFF2-40B4-BE49-F238E27FC236}">
-                <a16:creationId xmlns:a16="http://schemas.microsoft.com/office/drawing/2014/main" id="{54E3A47D-95B5-30BC-5088-EF079F30675A}"/>
+                <a16:creationId xmlns:a16="http://schemas.microsoft.com/office/drawing/2014/main" id="{A95382C2-8640-6BC8-20D0-79AE1DF10B34}"/>
               </a:ext>
             </a:extLst>
           </p:cNvPr>
@@ -2699,7 +2699,7 @@
           <p:cNvPr id="7" name="灯片编号占位符 6">
             <a:extLst>
               <a:ext uri="{FF2B5EF4-FFF2-40B4-BE49-F238E27FC236}">
-                <a16:creationId xmlns:a16="http://schemas.microsoft.com/office/drawing/2014/main" id="{BE960CE6-CFC0-137D-A459-F2826D9A7C23}"/>
+                <a16:creationId xmlns:a16="http://schemas.microsoft.com/office/drawing/2014/main" id="{D01C6C6D-D416-8BED-6608-3FCC8A96D2F1}"/>
               </a:ext>
             </a:extLst>
           </p:cNvPr>
@@ -2715,7 +2715,7 @@
           <a:bodyPr/>
           <a:lstStyle/>
           <a:p>
-            <a:fld id="{77D82DF5-F9E5-4348-8CF0-F8E8F55D3099}" type="slidenum">
+            <a:fld id="{36DA5A80-CD02-456A-B174-47B8916E41BA}" type="slidenum">
               <a:rPr lang="zh-CN" altLang="en-US" smtClean="0"/>
               <a:t>‹#›</a:t>
             </a:fld>
@@ -2726,7 +2726,7 @@
     </p:spTree>
     <p:extLst>
       <p:ext uri="{BB962C8B-B14F-4D97-AF65-F5344CB8AC3E}">
-        <p14:creationId xmlns:p14="http://schemas.microsoft.com/office/powerpoint/2010/main" val="3721557924"/>
+        <p14:creationId xmlns:p14="http://schemas.microsoft.com/office/powerpoint/2010/main" val="2575684521"/>
       </p:ext>
     </p:extLst>
   </p:cSld>
@@ -2763,7 +2763,7 @@
           <p:cNvPr id="2" name="标题占位符 1">
             <a:extLst>
               <a:ext uri="{FF2B5EF4-FFF2-40B4-BE49-F238E27FC236}">
-                <a16:creationId xmlns:a16="http://schemas.microsoft.com/office/drawing/2014/main" id="{3F599A01-EE9A-79A9-B4DD-CBA93AB0D6C2}"/>
+                <a16:creationId xmlns:a16="http://schemas.microsoft.com/office/drawing/2014/main" id="{F7524405-683C-7BD3-F9C5-08EA8DFBFB77}"/>
               </a:ext>
             </a:extLst>
           </p:cNvPr>
@@ -2801,7 +2801,7 @@
           <p:cNvPr id="3" name="文本占位符 2">
             <a:extLst>
               <a:ext uri="{FF2B5EF4-FFF2-40B4-BE49-F238E27FC236}">
-                <a16:creationId xmlns:a16="http://schemas.microsoft.com/office/drawing/2014/main" id="{D15B7E37-10F5-C20D-A1CE-9C3210FAD1DA}"/>
+                <a16:creationId xmlns:a16="http://schemas.microsoft.com/office/drawing/2014/main" id="{F9260718-7FF1-E514-BBC0-DB4433F2FB54}"/>
               </a:ext>
             </a:extLst>
           </p:cNvPr>
@@ -2868,7 +2868,7 @@
           <p:cNvPr id="4" name="日期占位符 3">
             <a:extLst>
               <a:ext uri="{FF2B5EF4-FFF2-40B4-BE49-F238E27FC236}">
-                <a16:creationId xmlns:a16="http://schemas.microsoft.com/office/drawing/2014/main" id="{86E58857-F4F0-1BB2-3773-29794192F724}"/>
+                <a16:creationId xmlns:a16="http://schemas.microsoft.com/office/drawing/2014/main" id="{2D360884-024C-4195-253D-358D649CC6C5}"/>
               </a:ext>
             </a:extLst>
           </p:cNvPr>
@@ -2902,7 +2902,7 @@
             </a:lvl1pPr>
           </a:lstStyle>
           <a:p>
-            <a:fld id="{EE017D9B-9D1C-439B-ACC4-10C3CA016D7E}" type="datetimeFigureOut">
+            <a:fld id="{283B545A-4B02-4D48-BB31-350ACBC20CBC}" type="datetimeFigureOut">
               <a:rPr lang="zh-CN" altLang="en-US" smtClean="0"/>
               <a:t>2024/3/10</a:t>
             </a:fld>
@@ -2915,7 +2915,7 @@
           <p:cNvPr id="5" name="页脚占位符 4">
             <a:extLst>
               <a:ext uri="{FF2B5EF4-FFF2-40B4-BE49-F238E27FC236}">
-                <a16:creationId xmlns:a16="http://schemas.microsoft.com/office/drawing/2014/main" id="{619C4A23-6A5A-2DA0-8C9B-6463C625704F}"/>
+                <a16:creationId xmlns:a16="http://schemas.microsoft.com/office/drawing/2014/main" id="{7D902637-4C24-9C41-00EC-6F6E8B313762}"/>
               </a:ext>
             </a:extLst>
           </p:cNvPr>
@@ -2958,7 +2958,7 @@
           <p:cNvPr id="6" name="灯片编号占位符 5">
             <a:extLst>
               <a:ext uri="{FF2B5EF4-FFF2-40B4-BE49-F238E27FC236}">
-                <a16:creationId xmlns:a16="http://schemas.microsoft.com/office/drawing/2014/main" id="{B9F29AE1-2E99-51AC-6790-4D1B1D8A70EB}"/>
+                <a16:creationId xmlns:a16="http://schemas.microsoft.com/office/drawing/2014/main" id="{9F1498CE-7304-88AD-52D2-C756656A43BD}"/>
               </a:ext>
             </a:extLst>
           </p:cNvPr>
@@ -2992,7 +2992,7 @@
             </a:lvl1pPr>
           </a:lstStyle>
           <a:p>
-            <a:fld id="{77D82DF5-F9E5-4348-8CF0-F8E8F55D3099}" type="slidenum">
+            <a:fld id="{36DA5A80-CD02-456A-B174-47B8916E41BA}" type="slidenum">
               <a:rPr lang="zh-CN" altLang="en-US" smtClean="0"/>
               <a:t>‹#›</a:t>
             </a:fld>
@@ -3003,7 +3003,7 @@
     </p:spTree>
     <p:extLst>
       <p:ext uri="{BB962C8B-B14F-4D97-AF65-F5344CB8AC3E}">
-        <p14:creationId xmlns:p14="http://schemas.microsoft.com/office/powerpoint/2010/main" val="3976006603"/>
+        <p14:creationId xmlns:p14="http://schemas.microsoft.com/office/powerpoint/2010/main" val="3162029001"/>
       </p:ext>
     </p:extLst>
   </p:cSld>
@@ -3323,7 +3323,7 @@
       </p:grpSpPr>
       <p:pic>
         <p:nvPicPr>
-          <p:cNvPr id="452610" name="Picture 2" descr="441"/>
+          <p:cNvPr id="453634" name="Picture 2" descr="442"/>
           <p:cNvPicPr>
             <a:picLocks noChangeAspect="1" noChangeArrowheads="1"/>
           </p:cNvPicPr>
